--- a/images/theory_analysis/Kubernetes_Authentication_Service_Account/Kubernetes_Authentication_Service_Account.pptx
+++ b/images/theory_analysis/Kubernetes_Authentication_Service_Account/Kubernetes_Authentication_Service_Account.pptx
@@ -214,7 +214,7 @@
           <a:p>
             <a:fld id="{6CD5550B-26C4-49A9-A5BA-636EF7BE6CE9}" type="datetimeFigureOut">
               <a:rPr lang="ko-KR" altLang="en-US" smtClean="0"/>
-              <a:t>2021-04-25</a:t>
+              <a:t>2021-04-27</a:t>
             </a:fld>
             <a:endParaRPr lang="ko-KR" altLang="en-US"/>
           </a:p>
@@ -744,7 +744,7 @@
           <a:p>
             <a:fld id="{FB30EDBD-1C2D-4C1E-B459-B60219FAB484}" type="datetimeFigureOut">
               <a:rPr lang="ko-KR" altLang="en-US" smtClean="0"/>
-              <a:t>2021-04-25</a:t>
+              <a:t>2021-04-27</a:t>
             </a:fld>
             <a:endParaRPr lang="ko-KR" altLang="en-US"/>
           </a:p>
@@ -907,7 +907,7 @@
           <a:p>
             <a:fld id="{FB30EDBD-1C2D-4C1E-B459-B60219FAB484}" type="datetimeFigureOut">
               <a:rPr lang="ko-KR" altLang="en-US" smtClean="0"/>
-              <a:t>2021-04-25</a:t>
+              <a:t>2021-04-27</a:t>
             </a:fld>
             <a:endParaRPr lang="ko-KR" altLang="en-US"/>
           </a:p>
@@ -1080,7 +1080,7 @@
           <a:p>
             <a:fld id="{FB30EDBD-1C2D-4C1E-B459-B60219FAB484}" type="datetimeFigureOut">
               <a:rPr lang="ko-KR" altLang="en-US" smtClean="0"/>
-              <a:t>2021-04-25</a:t>
+              <a:t>2021-04-27</a:t>
             </a:fld>
             <a:endParaRPr lang="ko-KR" altLang="en-US"/>
           </a:p>
@@ -1243,7 +1243,7 @@
           <a:p>
             <a:fld id="{FB30EDBD-1C2D-4C1E-B459-B60219FAB484}" type="datetimeFigureOut">
               <a:rPr lang="ko-KR" altLang="en-US" smtClean="0"/>
-              <a:t>2021-04-25</a:t>
+              <a:t>2021-04-27</a:t>
             </a:fld>
             <a:endParaRPr lang="ko-KR" altLang="en-US"/>
           </a:p>
@@ -1483,7 +1483,7 @@
           <a:p>
             <a:fld id="{FB30EDBD-1C2D-4C1E-B459-B60219FAB484}" type="datetimeFigureOut">
               <a:rPr lang="ko-KR" altLang="en-US" smtClean="0"/>
-              <a:t>2021-04-25</a:t>
+              <a:t>2021-04-27</a:t>
             </a:fld>
             <a:endParaRPr lang="ko-KR" altLang="en-US"/>
           </a:p>
@@ -1763,7 +1763,7 @@
           <a:p>
             <a:fld id="{FB30EDBD-1C2D-4C1E-B459-B60219FAB484}" type="datetimeFigureOut">
               <a:rPr lang="ko-KR" altLang="en-US" smtClean="0"/>
-              <a:t>2021-04-25</a:t>
+              <a:t>2021-04-27</a:t>
             </a:fld>
             <a:endParaRPr lang="ko-KR" altLang="en-US"/>
           </a:p>
@@ -2177,7 +2177,7 @@
           <a:p>
             <a:fld id="{FB30EDBD-1C2D-4C1E-B459-B60219FAB484}" type="datetimeFigureOut">
               <a:rPr lang="ko-KR" altLang="en-US" smtClean="0"/>
-              <a:t>2021-04-25</a:t>
+              <a:t>2021-04-27</a:t>
             </a:fld>
             <a:endParaRPr lang="ko-KR" altLang="en-US"/>
           </a:p>
@@ -2289,7 +2289,7 @@
           <a:p>
             <a:fld id="{FB30EDBD-1C2D-4C1E-B459-B60219FAB484}" type="datetimeFigureOut">
               <a:rPr lang="ko-KR" altLang="en-US" smtClean="0"/>
-              <a:t>2021-04-25</a:t>
+              <a:t>2021-04-27</a:t>
             </a:fld>
             <a:endParaRPr lang="ko-KR" altLang="en-US"/>
           </a:p>
@@ -2379,7 +2379,7 @@
           <a:p>
             <a:fld id="{FB30EDBD-1C2D-4C1E-B459-B60219FAB484}" type="datetimeFigureOut">
               <a:rPr lang="ko-KR" altLang="en-US" smtClean="0"/>
-              <a:t>2021-04-25</a:t>
+              <a:t>2021-04-27</a:t>
             </a:fld>
             <a:endParaRPr lang="ko-KR" altLang="en-US"/>
           </a:p>
@@ -2649,7 +2649,7 @@
           <a:p>
             <a:fld id="{FB30EDBD-1C2D-4C1E-B459-B60219FAB484}" type="datetimeFigureOut">
               <a:rPr lang="ko-KR" altLang="en-US" smtClean="0"/>
-              <a:t>2021-04-25</a:t>
+              <a:t>2021-04-27</a:t>
             </a:fld>
             <a:endParaRPr lang="ko-KR" altLang="en-US"/>
           </a:p>
@@ -2896,7 +2896,7 @@
           <a:p>
             <a:fld id="{FB30EDBD-1C2D-4C1E-B459-B60219FAB484}" type="datetimeFigureOut">
               <a:rPr lang="ko-KR" altLang="en-US" smtClean="0"/>
-              <a:t>2021-04-25</a:t>
+              <a:t>2021-04-27</a:t>
             </a:fld>
             <a:endParaRPr lang="ko-KR" altLang="en-US"/>
           </a:p>
@@ -3102,7 +3102,7 @@
           <a:p>
             <a:fld id="{FB30EDBD-1C2D-4C1E-B459-B60219FAB484}" type="datetimeFigureOut">
               <a:rPr lang="ko-KR" altLang="en-US" smtClean="0"/>
-              <a:t>2021-04-25</a:t>
+              <a:t>2021-04-27</a:t>
             </a:fld>
             <a:endParaRPr lang="ko-KR" altLang="en-US"/>
           </a:p>
@@ -3536,8 +3536,8 @@
         </p:nvSpPr>
         <p:spPr>
           <a:xfrm>
-            <a:off x="3393320" y="436454"/>
-            <a:ext cx="1349252" cy="380768"/>
+            <a:off x="3208618" y="436454"/>
+            <a:ext cx="1718656" cy="380768"/>
           </a:xfrm>
           <a:prstGeom prst="roundRect">
             <a:avLst>
@@ -3566,7 +3566,7 @@
             <a:pPr algn="ctr"/>
             <a:r>
               <a:rPr lang="en-US" altLang="ko-KR" sz="1400"/>
-              <a:t>kubectl</a:t>
+              <a:t>K8s Client (kubectl)</a:t>
             </a:r>
             <a:endParaRPr lang="ko-KR" altLang="en-US" sz="1400"/>
           </a:p>
@@ -3876,7 +3876,7 @@
         </p:nvSpPr>
         <p:spPr>
           <a:xfrm>
-            <a:off x="467546" y="1347614"/>
+            <a:off x="467546" y="1495227"/>
             <a:ext cx="1639177" cy="2441078"/>
           </a:xfrm>
           <a:prstGeom prst="roundRect">
@@ -3926,7 +3926,7 @@
         </p:nvSpPr>
         <p:spPr>
           <a:xfrm>
-            <a:off x="603268" y="3076752"/>
+            <a:off x="603268" y="3224365"/>
             <a:ext cx="1368152" cy="351901"/>
           </a:xfrm>
           <a:prstGeom prst="roundRect">
@@ -3976,7 +3976,7 @@
         </p:nvSpPr>
         <p:spPr>
           <a:xfrm>
-            <a:off x="603268" y="1454820"/>
+            <a:off x="603268" y="1602433"/>
             <a:ext cx="1368152" cy="1253753"/>
           </a:xfrm>
           <a:prstGeom prst="roundRect">
@@ -4026,7 +4026,7 @@
         </p:nvSpPr>
         <p:spPr>
           <a:xfrm>
-            <a:off x="755997" y="1556445"/>
+            <a:off x="755997" y="1704058"/>
             <a:ext cx="1062694" cy="288729"/>
           </a:xfrm>
           <a:prstGeom prst="roundRect">
@@ -4076,7 +4076,7 @@
         </p:nvSpPr>
         <p:spPr>
           <a:xfrm>
-            <a:off x="755997" y="1845129"/>
+            <a:off x="755997" y="1992742"/>
             <a:ext cx="1062694" cy="288729"/>
           </a:xfrm>
           <a:prstGeom prst="roundRect">
@@ -4126,7 +4126,7 @@
         </p:nvSpPr>
         <p:spPr>
           <a:xfrm>
-            <a:off x="755997" y="2133858"/>
+            <a:off x="755997" y="2281471"/>
             <a:ext cx="1062694" cy="288729"/>
           </a:xfrm>
           <a:prstGeom prst="roundRect">
@@ -4178,7 +4178,7 @@
         </p:nvCxnSpPr>
         <p:spPr>
           <a:xfrm>
-            <a:off x="899594" y="2422587"/>
+            <a:off x="899594" y="2570200"/>
             <a:ext cx="0" cy="654165"/>
           </a:xfrm>
           <a:prstGeom prst="straightConnector1">
@@ -4694,7 +4694,7 @@
         <p:spPr>
           <a:xfrm flipV="1">
             <a:off x="1971420" y="1829938"/>
-            <a:ext cx="944398" cy="1422765"/>
+            <a:ext cx="944398" cy="1570378"/>
           </a:xfrm>
           <a:prstGeom prst="straightConnector1">
             <a:avLst/>
@@ -4738,7 +4738,7 @@
         </p:nvCxnSpPr>
         <p:spPr>
           <a:xfrm>
-            <a:off x="1043610" y="2708573"/>
+            <a:off x="1043610" y="2856186"/>
             <a:ext cx="0" cy="368179"/>
           </a:xfrm>
           <a:prstGeom prst="straightConnector1">
@@ -4779,14 +4779,14 @@
           <p:cNvCxnSpPr>
             <a:cxnSpLocks/>
             <a:stCxn id="4" idx="1"/>
-            <a:endCxn id="35" idx="3"/>
+            <a:endCxn id="63" idx="3"/>
           </p:cNvCxnSpPr>
           <p:nvPr/>
         </p:nvCxnSpPr>
         <p:spPr>
           <a:xfrm flipH="1" flipV="1">
-            <a:off x="1818691" y="1700810"/>
-            <a:ext cx="1097127" cy="129128"/>
+            <a:off x="2106723" y="910597"/>
+            <a:ext cx="809095" cy="919341"/>
           </a:xfrm>
           <a:prstGeom prst="straightConnector1">
             <a:avLst/>
@@ -5344,10 +5344,10 @@
       </p:sp>
       <p:sp>
         <p:nvSpPr>
-          <p:cNvPr id="117" name="타원 116">
+          <p:cNvPr id="119" name="타원 118">
             <a:extLst>
               <a:ext uri="{FF2B5EF4-FFF2-40B4-BE49-F238E27FC236}">
-                <a16:creationId xmlns:a16="http://schemas.microsoft.com/office/drawing/2014/main" id="{583C2694-4873-4BFD-B664-F45594B8BE41}"/>
+                <a16:creationId xmlns:a16="http://schemas.microsoft.com/office/drawing/2014/main" id="{5C50237F-95BA-4D0F-8FEB-F3E57C29376F}"/>
               </a:ext>
             </a:extLst>
           </p:cNvPr>
@@ -5356,7 +5356,7 @@
         </p:nvSpPr>
         <p:spPr>
           <a:xfrm>
-            <a:off x="1692286" y="1589473"/>
+            <a:off x="4392606" y="2853134"/>
             <a:ext cx="222672" cy="222672"/>
           </a:xfrm>
           <a:prstGeom prst="ellipse">
@@ -5364,9 +5364,7 @@
           </a:prstGeom>
           <a:ln w="19050">
             <a:solidFill>
-              <a:schemeClr val="accent3">
-                <a:lumMod val="75000"/>
-              </a:schemeClr>
+              <a:schemeClr val="tx2"/>
             </a:solidFill>
           </a:ln>
         </p:spPr>
@@ -5391,7 +5389,7 @@
             <a:pPr algn="ctr"/>
             <a:r>
               <a:rPr lang="en-US" altLang="ko-KR" sz="1000"/>
-              <a:t>1</a:t>
+              <a:t>4</a:t>
             </a:r>
             <a:endParaRPr lang="ko-KR" altLang="en-US" sz="1000"/>
           </a:p>
@@ -5399,10 +5397,10 @@
       </p:sp>
       <p:sp>
         <p:nvSpPr>
-          <p:cNvPr id="119" name="타원 118">
+          <p:cNvPr id="120" name="타원 119">
             <a:extLst>
               <a:ext uri="{FF2B5EF4-FFF2-40B4-BE49-F238E27FC236}">
-                <a16:creationId xmlns:a16="http://schemas.microsoft.com/office/drawing/2014/main" id="{5C50237F-95BA-4D0F-8FEB-F3E57C29376F}"/>
+                <a16:creationId xmlns:a16="http://schemas.microsoft.com/office/drawing/2014/main" id="{6A2F1B0A-3316-4056-B490-E0AD27751FEE}"/>
               </a:ext>
             </a:extLst>
           </p:cNvPr>
@@ -5411,7 +5409,7 @@
         </p:nvSpPr>
         <p:spPr>
           <a:xfrm>
-            <a:off x="4392606" y="2853134"/>
+            <a:off x="4680675" y="2743637"/>
             <a:ext cx="222672" cy="222672"/>
           </a:xfrm>
           <a:prstGeom prst="ellipse">
@@ -5452,10 +5450,10 @@
       </p:sp>
       <p:sp>
         <p:nvSpPr>
-          <p:cNvPr id="120" name="타원 119">
+          <p:cNvPr id="121" name="타원 120">
             <a:extLst>
               <a:ext uri="{FF2B5EF4-FFF2-40B4-BE49-F238E27FC236}">
-                <a16:creationId xmlns:a16="http://schemas.microsoft.com/office/drawing/2014/main" id="{6A2F1B0A-3316-4056-B490-E0AD27751FEE}"/>
+                <a16:creationId xmlns:a16="http://schemas.microsoft.com/office/drawing/2014/main" id="{109637A9-9544-440E-A9C1-031DF8613B89}"/>
               </a:ext>
             </a:extLst>
           </p:cNvPr>
@@ -5464,7 +5462,7 @@
         </p:nvSpPr>
         <p:spPr>
           <a:xfrm>
-            <a:off x="4680675" y="2743637"/>
+            <a:off x="2638178" y="1989038"/>
             <a:ext cx="222672" cy="222672"/>
           </a:xfrm>
           <a:prstGeom prst="ellipse">
@@ -5497,7 +5495,7 @@
             <a:pPr algn="ctr"/>
             <a:r>
               <a:rPr lang="en-US" altLang="ko-KR" sz="1000"/>
-              <a:t>4</a:t>
+              <a:t>5</a:t>
             </a:r>
             <a:endParaRPr lang="ko-KR" altLang="en-US" sz="1000"/>
           </a:p>
@@ -5505,10 +5503,10 @@
       </p:sp>
       <p:sp>
         <p:nvSpPr>
-          <p:cNvPr id="121" name="타원 120">
+          <p:cNvPr id="122" name="타원 121">
             <a:extLst>
               <a:ext uri="{FF2B5EF4-FFF2-40B4-BE49-F238E27FC236}">
-                <a16:creationId xmlns:a16="http://schemas.microsoft.com/office/drawing/2014/main" id="{109637A9-9544-440E-A9C1-031DF8613B89}"/>
+                <a16:creationId xmlns:a16="http://schemas.microsoft.com/office/drawing/2014/main" id="{C139A90C-E0F6-40D8-A297-AAB2FC0F921C}"/>
               </a:ext>
             </a:extLst>
           </p:cNvPr>
@@ -5517,7 +5515,7 @@
         </p:nvSpPr>
         <p:spPr>
           <a:xfrm>
-            <a:off x="2656967" y="1913233"/>
+            <a:off x="852466" y="3114047"/>
             <a:ext cx="222672" cy="222672"/>
           </a:xfrm>
           <a:prstGeom prst="ellipse">
@@ -5550,59 +5548,6 @@
             <a:pPr algn="ctr"/>
             <a:r>
               <a:rPr lang="en-US" altLang="ko-KR" sz="1000"/>
-              <a:t>5</a:t>
-            </a:r>
-            <a:endParaRPr lang="ko-KR" altLang="en-US" sz="1000"/>
-          </a:p>
-        </p:txBody>
-      </p:sp>
-      <p:sp>
-        <p:nvSpPr>
-          <p:cNvPr id="122" name="타원 121">
-            <a:extLst>
-              <a:ext uri="{FF2B5EF4-FFF2-40B4-BE49-F238E27FC236}">
-                <a16:creationId xmlns:a16="http://schemas.microsoft.com/office/drawing/2014/main" id="{C139A90C-E0F6-40D8-A297-AAB2FC0F921C}"/>
-              </a:ext>
-            </a:extLst>
-          </p:cNvPr>
-          <p:cNvSpPr/>
-          <p:nvPr/>
-        </p:nvSpPr>
-        <p:spPr>
-          <a:xfrm>
-            <a:off x="852466" y="2966434"/>
-            <a:ext cx="222672" cy="222672"/>
-          </a:xfrm>
-          <a:prstGeom prst="ellipse">
-            <a:avLst/>
-          </a:prstGeom>
-          <a:ln w="19050">
-            <a:solidFill>
-              <a:schemeClr val="tx2"/>
-            </a:solidFill>
-          </a:ln>
-        </p:spPr>
-        <p:style>
-          <a:lnRef idx="2">
-            <a:schemeClr val="accent2"/>
-          </a:lnRef>
-          <a:fillRef idx="1">
-            <a:schemeClr val="lt1"/>
-          </a:fillRef>
-          <a:effectRef idx="0">
-            <a:schemeClr val="accent2"/>
-          </a:effectRef>
-          <a:fontRef idx="minor">
-            <a:schemeClr val="dk1"/>
-          </a:fontRef>
-        </p:style>
-        <p:txBody>
-          <a:bodyPr rtlCol="0" anchor="ctr"/>
-          <a:lstStyle/>
-          <a:p>
-            <a:pPr algn="ctr"/>
-            <a:r>
-              <a:rPr lang="en-US" altLang="ko-KR" sz="1000"/>
               <a:t>6</a:t>
             </a:r>
             <a:endParaRPr lang="ko-KR" altLang="en-US" sz="1000"/>
@@ -6034,7 +5979,7 @@
         </p:nvSpPr>
         <p:spPr>
           <a:xfrm>
-            <a:off x="2041793" y="2931790"/>
+            <a:off x="2051720" y="2963728"/>
             <a:ext cx="813043" cy="400110"/>
           </a:xfrm>
           <a:prstGeom prst="rect">
@@ -6090,7 +6035,7 @@
         </p:nvSpPr>
         <p:spPr>
           <a:xfrm>
-            <a:off x="1020669" y="2692607"/>
+            <a:off x="1020669" y="2840220"/>
             <a:ext cx="1031051" cy="400110"/>
           </a:xfrm>
           <a:prstGeom prst="rect">
@@ -6132,31 +6077,450 @@
           </a:p>
         </p:txBody>
       </p:sp>
+      <p:grpSp>
+        <p:nvGrpSpPr>
+          <p:cNvPr id="2" name="그룹 1">
+            <a:extLst>
+              <a:ext uri="{FF2B5EF4-FFF2-40B4-BE49-F238E27FC236}">
+                <a16:creationId xmlns:a16="http://schemas.microsoft.com/office/drawing/2014/main" id="{53760E6A-F56A-43C3-82FC-0D975657BACD}"/>
+              </a:ext>
+            </a:extLst>
+          </p:cNvPr>
+          <p:cNvGrpSpPr/>
+          <p:nvPr/>
+        </p:nvGrpSpPr>
+        <p:grpSpPr>
+          <a:xfrm>
+            <a:off x="6228184" y="354106"/>
+            <a:ext cx="1931276" cy="731798"/>
+            <a:chOff x="539552" y="471800"/>
+            <a:chExt cx="1931276" cy="731798"/>
+          </a:xfrm>
+        </p:grpSpPr>
+        <p:cxnSp>
+          <p:nvCxnSpPr>
+            <p:cNvPr id="137" name="직선 화살표 연결선 136">
+              <a:extLst>
+                <a:ext uri="{FF2B5EF4-FFF2-40B4-BE49-F238E27FC236}">
+                  <a16:creationId xmlns:a16="http://schemas.microsoft.com/office/drawing/2014/main" id="{18DD9E82-AB40-4077-81EC-EC7D077470EB}"/>
+                </a:ext>
+              </a:extLst>
+            </p:cNvPr>
+            <p:cNvCxnSpPr>
+              <a:cxnSpLocks/>
+            </p:cNvCxnSpPr>
+            <p:nvPr/>
+          </p:nvCxnSpPr>
+          <p:spPr>
+            <a:xfrm flipH="1">
+              <a:off x="546103" y="595607"/>
+              <a:ext cx="381714" cy="0"/>
+            </a:xfrm>
+            <a:prstGeom prst="straightConnector1">
+              <a:avLst/>
+            </a:prstGeom>
+            <a:ln w="19050">
+              <a:solidFill>
+                <a:srgbClr val="C00000"/>
+              </a:solidFill>
+              <a:headEnd type="arrow" w="med" len="med"/>
+              <a:tailEnd type="none" w="med" len="med"/>
+            </a:ln>
+          </p:spPr>
+          <p:style>
+            <a:lnRef idx="1">
+              <a:schemeClr val="accent1"/>
+            </a:lnRef>
+            <a:fillRef idx="0">
+              <a:schemeClr val="accent1"/>
+            </a:fillRef>
+            <a:effectRef idx="0">
+              <a:schemeClr val="accent1"/>
+            </a:effectRef>
+            <a:fontRef idx="minor">
+              <a:schemeClr val="tx1"/>
+            </a:fontRef>
+          </p:style>
+        </p:cxnSp>
+        <p:sp>
+          <p:nvSpPr>
+            <p:cNvPr id="140" name="TextBox 139">
+              <a:extLst>
+                <a:ext uri="{FF2B5EF4-FFF2-40B4-BE49-F238E27FC236}">
+                  <a16:creationId xmlns:a16="http://schemas.microsoft.com/office/drawing/2014/main" id="{B3D351E6-572A-4CB0-BE37-E519663C1059}"/>
+                </a:ext>
+              </a:extLst>
+            </p:cNvPr>
+            <p:cNvSpPr txBox="1"/>
+            <p:nvPr/>
+          </p:nvSpPr>
+          <p:spPr>
+            <a:xfrm>
+              <a:off x="936434" y="471800"/>
+              <a:ext cx="1534394" cy="246221"/>
+            </a:xfrm>
+            <a:prstGeom prst="rect">
+              <a:avLst/>
+            </a:prstGeom>
+            <a:noFill/>
+          </p:spPr>
+          <p:txBody>
+            <a:bodyPr wrap="none" rtlCol="0">
+              <a:spAutoFit/>
+            </a:bodyPr>
+            <a:lstStyle/>
+            <a:p>
+              <a:r>
+                <a:rPr lang="en-US" altLang="ko-KR" sz="1000"/>
+                <a:t>Create Service Account</a:t>
+              </a:r>
+              <a:endParaRPr lang="ko-KR" altLang="en-US" sz="1000"/>
+            </a:p>
+          </p:txBody>
+        </p:sp>
+        <p:cxnSp>
+          <p:nvCxnSpPr>
+            <p:cNvPr id="141" name="직선 화살표 연결선 140">
+              <a:extLst>
+                <a:ext uri="{FF2B5EF4-FFF2-40B4-BE49-F238E27FC236}">
+                  <a16:creationId xmlns:a16="http://schemas.microsoft.com/office/drawing/2014/main" id="{E8CA075E-B514-43D7-9ADD-A8D129A51A5A}"/>
+                </a:ext>
+              </a:extLst>
+            </p:cNvPr>
+            <p:cNvCxnSpPr>
+              <a:cxnSpLocks/>
+            </p:cNvCxnSpPr>
+            <p:nvPr/>
+          </p:nvCxnSpPr>
+          <p:spPr>
+            <a:xfrm flipH="1">
+              <a:off x="539552" y="837160"/>
+              <a:ext cx="381714" cy="0"/>
+            </a:xfrm>
+            <a:prstGeom prst="straightConnector1">
+              <a:avLst/>
+            </a:prstGeom>
+            <a:ln w="19050">
+              <a:solidFill>
+                <a:schemeClr val="tx2"/>
+              </a:solidFill>
+              <a:headEnd type="arrow" w="med" len="med"/>
+              <a:tailEnd type="none" w="med" len="med"/>
+            </a:ln>
+          </p:spPr>
+          <p:style>
+            <a:lnRef idx="1">
+              <a:schemeClr val="accent1"/>
+            </a:lnRef>
+            <a:fillRef idx="0">
+              <a:schemeClr val="accent1"/>
+            </a:fillRef>
+            <a:effectRef idx="0">
+              <a:schemeClr val="accent1"/>
+            </a:effectRef>
+            <a:fontRef idx="minor">
+              <a:schemeClr val="tx1"/>
+            </a:fontRef>
+          </p:style>
+        </p:cxnSp>
+        <p:sp>
+          <p:nvSpPr>
+            <p:cNvPr id="142" name="TextBox 141">
+              <a:extLst>
+                <a:ext uri="{FF2B5EF4-FFF2-40B4-BE49-F238E27FC236}">
+                  <a16:creationId xmlns:a16="http://schemas.microsoft.com/office/drawing/2014/main" id="{E74C7FEA-A1B7-471C-8E60-EE4418F15EB9}"/>
+                </a:ext>
+              </a:extLst>
+            </p:cNvPr>
+            <p:cNvSpPr txBox="1"/>
+            <p:nvPr/>
+          </p:nvSpPr>
+          <p:spPr>
+            <a:xfrm>
+              <a:off x="929883" y="713353"/>
+              <a:ext cx="833883" cy="246221"/>
+            </a:xfrm>
+            <a:prstGeom prst="rect">
+              <a:avLst/>
+            </a:prstGeom>
+            <a:noFill/>
+          </p:spPr>
+          <p:txBody>
+            <a:bodyPr wrap="none" rtlCol="0">
+              <a:spAutoFit/>
+            </a:bodyPr>
+            <a:lstStyle/>
+            <a:p>
+              <a:r>
+                <a:rPr lang="en-US" altLang="ko-KR" sz="1000"/>
+                <a:t>Create Pod</a:t>
+              </a:r>
+              <a:endParaRPr lang="ko-KR" altLang="en-US" sz="1000"/>
+            </a:p>
+          </p:txBody>
+        </p:sp>
+        <p:cxnSp>
+          <p:nvCxnSpPr>
+            <p:cNvPr id="145" name="직선 화살표 연결선 144">
+              <a:extLst>
+                <a:ext uri="{FF2B5EF4-FFF2-40B4-BE49-F238E27FC236}">
+                  <a16:creationId xmlns:a16="http://schemas.microsoft.com/office/drawing/2014/main" id="{C71F34E0-6EC4-4106-82AF-968FB1CF991A}"/>
+                </a:ext>
+              </a:extLst>
+            </p:cNvPr>
+            <p:cNvCxnSpPr>
+              <a:cxnSpLocks/>
+            </p:cNvCxnSpPr>
+            <p:nvPr/>
+          </p:nvCxnSpPr>
+          <p:spPr>
+            <a:xfrm flipH="1">
+              <a:off x="539552" y="1081184"/>
+              <a:ext cx="381714" cy="0"/>
+            </a:xfrm>
+            <a:prstGeom prst="straightConnector1">
+              <a:avLst/>
+            </a:prstGeom>
+            <a:ln w="19050">
+              <a:solidFill>
+                <a:schemeClr val="accent3">
+                  <a:lumMod val="75000"/>
+                </a:schemeClr>
+              </a:solidFill>
+              <a:headEnd type="arrow" w="med" len="med"/>
+              <a:tailEnd type="none" w="med" len="med"/>
+            </a:ln>
+          </p:spPr>
+          <p:style>
+            <a:lnRef idx="1">
+              <a:schemeClr val="accent1"/>
+            </a:lnRef>
+            <a:fillRef idx="0">
+              <a:schemeClr val="accent1"/>
+            </a:fillRef>
+            <a:effectRef idx="0">
+              <a:schemeClr val="accent1"/>
+            </a:effectRef>
+            <a:fontRef idx="minor">
+              <a:schemeClr val="tx1"/>
+            </a:fontRef>
+          </p:style>
+        </p:cxnSp>
+        <p:sp>
+          <p:nvSpPr>
+            <p:cNvPr id="146" name="TextBox 145">
+              <a:extLst>
+                <a:ext uri="{FF2B5EF4-FFF2-40B4-BE49-F238E27FC236}">
+                  <a16:creationId xmlns:a16="http://schemas.microsoft.com/office/drawing/2014/main" id="{C2EC57B1-7D25-4C59-8E73-3D3E52A411D3}"/>
+                </a:ext>
+              </a:extLst>
+            </p:cNvPr>
+            <p:cNvSpPr txBox="1"/>
+            <p:nvPr/>
+          </p:nvSpPr>
+          <p:spPr>
+            <a:xfrm>
+              <a:off x="929883" y="957377"/>
+              <a:ext cx="1372492" cy="246221"/>
+            </a:xfrm>
+            <a:prstGeom prst="rect">
+              <a:avLst/>
+            </a:prstGeom>
+            <a:noFill/>
+          </p:spPr>
+          <p:txBody>
+            <a:bodyPr wrap="none" rtlCol="0">
+              <a:spAutoFit/>
+            </a:bodyPr>
+            <a:lstStyle/>
+            <a:p>
+              <a:r>
+                <a:rPr lang="en-US" altLang="ko-KR" sz="1000"/>
+                <a:t>Use Service Account</a:t>
+              </a:r>
+              <a:endParaRPr lang="ko-KR" altLang="en-US" sz="1000"/>
+            </a:p>
+          </p:txBody>
+        </p:sp>
+      </p:grpSp>
+      <p:sp>
+        <p:nvSpPr>
+          <p:cNvPr id="62" name="TextBox 61">
+            <a:extLst>
+              <a:ext uri="{FF2B5EF4-FFF2-40B4-BE49-F238E27FC236}">
+                <a16:creationId xmlns:a16="http://schemas.microsoft.com/office/drawing/2014/main" id="{A6F9ACFF-3CF7-4D65-BC3A-A8DF66B926FD}"/>
+              </a:ext>
+            </a:extLst>
+          </p:cNvPr>
+          <p:cNvSpPr txBox="1"/>
+          <p:nvPr/>
+        </p:nvSpPr>
+        <p:spPr>
+          <a:xfrm>
+            <a:off x="2070923" y="1707654"/>
+            <a:ext cx="736100" cy="246221"/>
+          </a:xfrm>
+          <a:prstGeom prst="rect">
+            <a:avLst/>
+          </a:prstGeom>
+          <a:noFill/>
+        </p:spPr>
+        <p:txBody>
+          <a:bodyPr wrap="none" rtlCol="0">
+            <a:spAutoFit/>
+          </a:bodyPr>
+          <a:lstStyle/>
+          <a:p>
+            <a:pPr algn="ctr"/>
+            <a:r>
+              <a:rPr lang="en-US" altLang="ko-KR" sz="1000">
+                <a:solidFill>
+                  <a:schemeClr val="accent3">
+                    <a:lumMod val="75000"/>
+                  </a:schemeClr>
+                </a:solidFill>
+              </a:rPr>
+              <a:t>SA Token</a:t>
+            </a:r>
+            <a:endParaRPr lang="ko-KR" altLang="en-US" sz="1000">
+              <a:solidFill>
+                <a:schemeClr val="accent3">
+                  <a:lumMod val="75000"/>
+                </a:schemeClr>
+              </a:solidFill>
+            </a:endParaRPr>
+          </a:p>
+        </p:txBody>
+      </p:sp>
+      <p:sp>
+        <p:nvSpPr>
+          <p:cNvPr id="63" name="사각형: 둥근 모서리 62">
+            <a:extLst>
+              <a:ext uri="{FF2B5EF4-FFF2-40B4-BE49-F238E27FC236}">
+                <a16:creationId xmlns:a16="http://schemas.microsoft.com/office/drawing/2014/main" id="{1876DD59-C7C8-4876-AE88-FE3359D8022F}"/>
+              </a:ext>
+            </a:extLst>
+          </p:cNvPr>
+          <p:cNvSpPr/>
+          <p:nvPr/>
+        </p:nvSpPr>
+        <p:spPr>
+          <a:xfrm>
+            <a:off x="467546" y="436454"/>
+            <a:ext cx="1639177" cy="948286"/>
+          </a:xfrm>
+          <a:prstGeom prst="roundRect">
+            <a:avLst>
+              <a:gd name="adj" fmla="val 9318"/>
+            </a:avLst>
+          </a:prstGeom>
+        </p:spPr>
+        <p:style>
+          <a:lnRef idx="2">
+            <a:schemeClr val="dk1"/>
+          </a:lnRef>
+          <a:fillRef idx="1">
+            <a:schemeClr val="lt1"/>
+          </a:fillRef>
+          <a:effectRef idx="0">
+            <a:schemeClr val="dk1"/>
+          </a:effectRef>
+          <a:fontRef idx="minor">
+            <a:schemeClr val="dk1"/>
+          </a:fontRef>
+        </p:style>
+        <p:txBody>
+          <a:bodyPr rtlCol="0" anchor="b"/>
+          <a:lstStyle/>
+          <a:p>
+            <a:pPr algn="ctr"/>
+            <a:r>
+              <a:rPr lang="en-US" altLang="ko-KR" sz="1400"/>
+              <a:t>kubectl</a:t>
+            </a:r>
+            <a:endParaRPr lang="ko-KR" altLang="en-US" sz="1400"/>
+          </a:p>
+        </p:txBody>
+      </p:sp>
+      <p:sp>
+        <p:nvSpPr>
+          <p:cNvPr id="69" name="사각형: 둥근 모서리 68">
+            <a:extLst>
+              <a:ext uri="{FF2B5EF4-FFF2-40B4-BE49-F238E27FC236}">
+                <a16:creationId xmlns:a16="http://schemas.microsoft.com/office/drawing/2014/main" id="{8323EEB2-04CF-4E7B-BB1C-2093C833D0DE}"/>
+              </a:ext>
+            </a:extLst>
+          </p:cNvPr>
+          <p:cNvSpPr/>
+          <p:nvPr/>
+        </p:nvSpPr>
+        <p:spPr>
+          <a:xfrm>
+            <a:off x="603268" y="501041"/>
+            <a:ext cx="1368152" cy="601186"/>
+          </a:xfrm>
+          <a:prstGeom prst="roundRect">
+            <a:avLst>
+              <a:gd name="adj" fmla="val 6628"/>
+            </a:avLst>
+          </a:prstGeom>
+        </p:spPr>
+        <p:style>
+          <a:lnRef idx="2">
+            <a:schemeClr val="dk1"/>
+          </a:lnRef>
+          <a:fillRef idx="1">
+            <a:schemeClr val="lt1"/>
+          </a:fillRef>
+          <a:effectRef idx="0">
+            <a:schemeClr val="dk1"/>
+          </a:effectRef>
+          <a:fontRef idx="minor">
+            <a:schemeClr val="dk1"/>
+          </a:fontRef>
+        </p:style>
+        <p:txBody>
+          <a:bodyPr rtlCol="0" anchor="b"/>
+          <a:lstStyle/>
+          <a:p>
+            <a:pPr algn="ctr"/>
+            <a:r>
+              <a:rPr lang="en-US" altLang="ko-KR" sz="1400"/>
+              <a:t>kubeconfig</a:t>
+            </a:r>
+            <a:endParaRPr lang="ko-KR" altLang="en-US" sz="1400"/>
+          </a:p>
+        </p:txBody>
+      </p:sp>
       <p:cxnSp>
         <p:nvCxnSpPr>
-          <p:cNvPr id="137" name="직선 화살표 연결선 136">
+          <p:cNvPr id="72" name="직선 화살표 연결선 71">
             <a:extLst>
               <a:ext uri="{FF2B5EF4-FFF2-40B4-BE49-F238E27FC236}">
-                <a16:creationId xmlns:a16="http://schemas.microsoft.com/office/drawing/2014/main" id="{18DD9E82-AB40-4077-81EC-EC7D077470EB}"/>
+                <a16:creationId xmlns:a16="http://schemas.microsoft.com/office/drawing/2014/main" id="{651C6FE8-3280-465C-886E-A7F9AD641DC9}"/>
               </a:ext>
             </a:extLst>
           </p:cNvPr>
           <p:cNvCxnSpPr>
             <a:cxnSpLocks/>
+            <a:stCxn id="4" idx="1"/>
+            <a:endCxn id="32" idx="3"/>
           </p:cNvCxnSpPr>
           <p:nvPr/>
         </p:nvCxnSpPr>
         <p:spPr>
           <a:xfrm flipH="1">
-            <a:off x="546103" y="595607"/>
-            <a:ext cx="381714" cy="0"/>
+            <a:off x="1971420" y="1829938"/>
+            <a:ext cx="944398" cy="399372"/>
           </a:xfrm>
           <a:prstGeom prst="straightConnector1">
             <a:avLst/>
           </a:prstGeom>
           <a:ln w="19050">
             <a:solidFill>
-              <a:srgbClr val="C00000"/>
+              <a:schemeClr val="accent3">
+                <a:lumMod val="75000"/>
+              </a:schemeClr>
             </a:solidFill>
             <a:headEnd type="arrow" w="med" len="med"/>
             <a:tailEnd type="none" w="med" len="med"/>
@@ -6179,141 +6543,22 @@
       </p:cxnSp>
       <p:sp>
         <p:nvSpPr>
-          <p:cNvPr id="140" name="TextBox 139">
+          <p:cNvPr id="117" name="타원 116">
             <a:extLst>
               <a:ext uri="{FF2B5EF4-FFF2-40B4-BE49-F238E27FC236}">
-                <a16:creationId xmlns:a16="http://schemas.microsoft.com/office/drawing/2014/main" id="{B3D351E6-572A-4CB0-BE37-E519663C1059}"/>
+                <a16:creationId xmlns:a16="http://schemas.microsoft.com/office/drawing/2014/main" id="{583C2694-4873-4BFD-B664-F45594B8BE41}"/>
               </a:ext>
             </a:extLst>
           </p:cNvPr>
-          <p:cNvSpPr txBox="1"/>
+          <p:cNvSpPr/>
           <p:nvPr/>
         </p:nvSpPr>
         <p:spPr>
           <a:xfrm>
-            <a:off x="936434" y="471800"/>
-            <a:ext cx="1534394" cy="246221"/>
-          </a:xfrm>
-          <a:prstGeom prst="rect">
-            <a:avLst/>
-          </a:prstGeom>
-          <a:noFill/>
-        </p:spPr>
-        <p:txBody>
-          <a:bodyPr wrap="none" rtlCol="0">
-            <a:spAutoFit/>
-          </a:bodyPr>
-          <a:lstStyle/>
-          <a:p>
-            <a:r>
-              <a:rPr lang="en-US" altLang="ko-KR" sz="1000"/>
-              <a:t>Create Service Account</a:t>
-            </a:r>
-            <a:endParaRPr lang="ko-KR" altLang="en-US" sz="1000"/>
-          </a:p>
-        </p:txBody>
-      </p:sp>
-      <p:cxnSp>
-        <p:nvCxnSpPr>
-          <p:cNvPr id="141" name="직선 화살표 연결선 140">
-            <a:extLst>
-              <a:ext uri="{FF2B5EF4-FFF2-40B4-BE49-F238E27FC236}">
-                <a16:creationId xmlns:a16="http://schemas.microsoft.com/office/drawing/2014/main" id="{E8CA075E-B514-43D7-9ADD-A8D129A51A5A}"/>
-              </a:ext>
-            </a:extLst>
-          </p:cNvPr>
-          <p:cNvCxnSpPr>
-            <a:cxnSpLocks/>
-          </p:cNvCxnSpPr>
-          <p:nvPr/>
-        </p:nvCxnSpPr>
-        <p:spPr>
-          <a:xfrm flipH="1">
-            <a:off x="539552" y="837160"/>
-            <a:ext cx="381714" cy="0"/>
-          </a:xfrm>
-          <a:prstGeom prst="straightConnector1">
-            <a:avLst/>
-          </a:prstGeom>
-          <a:ln w="19050">
-            <a:solidFill>
-              <a:schemeClr val="tx2"/>
-            </a:solidFill>
-            <a:headEnd type="arrow" w="med" len="med"/>
-            <a:tailEnd type="none" w="med" len="med"/>
-          </a:ln>
-        </p:spPr>
-        <p:style>
-          <a:lnRef idx="1">
-            <a:schemeClr val="accent1"/>
-          </a:lnRef>
-          <a:fillRef idx="0">
-            <a:schemeClr val="accent1"/>
-          </a:fillRef>
-          <a:effectRef idx="0">
-            <a:schemeClr val="accent1"/>
-          </a:effectRef>
-          <a:fontRef idx="minor">
-            <a:schemeClr val="tx1"/>
-          </a:fontRef>
-        </p:style>
-      </p:cxnSp>
-      <p:sp>
-        <p:nvSpPr>
-          <p:cNvPr id="142" name="TextBox 141">
-            <a:extLst>
-              <a:ext uri="{FF2B5EF4-FFF2-40B4-BE49-F238E27FC236}">
-                <a16:creationId xmlns:a16="http://schemas.microsoft.com/office/drawing/2014/main" id="{E74C7FEA-A1B7-471C-8E60-EE4418F15EB9}"/>
-              </a:ext>
-            </a:extLst>
-          </p:cNvPr>
-          <p:cNvSpPr txBox="1"/>
-          <p:nvPr/>
-        </p:nvSpPr>
-        <p:spPr>
-          <a:xfrm>
-            <a:off x="929883" y="713353"/>
-            <a:ext cx="833883" cy="246221"/>
-          </a:xfrm>
-          <a:prstGeom prst="rect">
-            <a:avLst/>
-          </a:prstGeom>
-          <a:noFill/>
-        </p:spPr>
-        <p:txBody>
-          <a:bodyPr wrap="none" rtlCol="0">
-            <a:spAutoFit/>
-          </a:bodyPr>
-          <a:lstStyle/>
-          <a:p>
-            <a:r>
-              <a:rPr lang="en-US" altLang="ko-KR" sz="1000"/>
-              <a:t>Create Pod</a:t>
-            </a:r>
-            <a:endParaRPr lang="ko-KR" altLang="en-US" sz="1000"/>
-          </a:p>
-        </p:txBody>
-      </p:sp>
-      <p:cxnSp>
-        <p:nvCxnSpPr>
-          <p:cNvPr id="145" name="직선 화살표 연결선 144">
-            <a:extLst>
-              <a:ext uri="{FF2B5EF4-FFF2-40B4-BE49-F238E27FC236}">
-                <a16:creationId xmlns:a16="http://schemas.microsoft.com/office/drawing/2014/main" id="{C71F34E0-6EC4-4106-82AF-968FB1CF991A}"/>
-              </a:ext>
-            </a:extLst>
-          </p:cNvPr>
-          <p:cNvCxnSpPr>
-            <a:cxnSpLocks/>
-          </p:cNvCxnSpPr>
-          <p:nvPr/>
-        </p:nvCxnSpPr>
-        <p:spPr>
-          <a:xfrm flipH="1">
-            <a:off x="539552" y="1081184"/>
-            <a:ext cx="381714" cy="0"/>
-          </a:xfrm>
-          <a:prstGeom prst="straightConnector1">
+            <a:off x="1860083" y="2128922"/>
+            <a:ext cx="222672" cy="222672"/>
+          </a:xfrm>
+          <a:prstGeom prst="ellipse">
             <a:avLst/>
           </a:prstGeom>
           <a:ln w="19050">
@@ -6322,58 +6567,137 @@
                 <a:lumMod val="75000"/>
               </a:schemeClr>
             </a:solidFill>
-            <a:headEnd type="arrow" w="med" len="med"/>
-            <a:tailEnd type="none" w="med" len="med"/>
           </a:ln>
         </p:spPr>
         <p:style>
-          <a:lnRef idx="1">
-            <a:schemeClr val="accent1"/>
+          <a:lnRef idx="2">
+            <a:schemeClr val="accent2"/>
           </a:lnRef>
-          <a:fillRef idx="0">
-            <a:schemeClr val="accent1"/>
+          <a:fillRef idx="1">
+            <a:schemeClr val="lt1"/>
           </a:fillRef>
           <a:effectRef idx="0">
-            <a:schemeClr val="accent1"/>
+            <a:schemeClr val="accent2"/>
           </a:effectRef>
           <a:fontRef idx="minor">
-            <a:schemeClr val="tx1"/>
+            <a:schemeClr val="dk1"/>
           </a:fontRef>
         </p:style>
-      </p:cxnSp>
-      <p:sp>
-        <p:nvSpPr>
-          <p:cNvPr id="146" name="TextBox 145">
+        <p:txBody>
+          <a:bodyPr rtlCol="0" anchor="ctr"/>
+          <a:lstStyle/>
+          <a:p>
+            <a:pPr algn="ctr"/>
+            <a:r>
+              <a:rPr lang="en-US" altLang="ko-KR" sz="1000"/>
+              <a:t>1</a:t>
+            </a:r>
+            <a:endParaRPr lang="ko-KR" altLang="en-US" sz="1000"/>
+          </a:p>
+        </p:txBody>
+      </p:sp>
+      <p:sp>
+        <p:nvSpPr>
+          <p:cNvPr id="75" name="타원 74">
             <a:extLst>
               <a:ext uri="{FF2B5EF4-FFF2-40B4-BE49-F238E27FC236}">
-                <a16:creationId xmlns:a16="http://schemas.microsoft.com/office/drawing/2014/main" id="{C2EC57B1-7D25-4C59-8E73-3D3E52A411D3}"/>
+                <a16:creationId xmlns:a16="http://schemas.microsoft.com/office/drawing/2014/main" id="{A0F8D5E4-60A3-48BE-B202-E09853B37F33}"/>
               </a:ext>
             </a:extLst>
           </p:cNvPr>
-          <p:cNvSpPr txBox="1"/>
+          <p:cNvSpPr/>
           <p:nvPr/>
         </p:nvSpPr>
         <p:spPr>
           <a:xfrm>
-            <a:off x="929883" y="957377"/>
-            <a:ext cx="1372492" cy="246221"/>
-          </a:xfrm>
-          <a:prstGeom prst="rect">
+            <a:off x="1999696" y="813511"/>
+            <a:ext cx="222672" cy="222672"/>
+          </a:xfrm>
+          <a:prstGeom prst="ellipse">
             <a:avLst/>
           </a:prstGeom>
-          <a:noFill/>
-        </p:spPr>
-        <p:txBody>
-          <a:bodyPr wrap="none" rtlCol="0">
-            <a:spAutoFit/>
-          </a:bodyPr>
-          <a:lstStyle/>
-          <a:p>
+          <a:ln w="19050">
+            <a:solidFill>
+              <a:schemeClr val="accent3">
+                <a:lumMod val="75000"/>
+              </a:schemeClr>
+            </a:solidFill>
+          </a:ln>
+        </p:spPr>
+        <p:style>
+          <a:lnRef idx="2">
+            <a:schemeClr val="accent2"/>
+          </a:lnRef>
+          <a:fillRef idx="1">
+            <a:schemeClr val="lt1"/>
+          </a:fillRef>
+          <a:effectRef idx="0">
+            <a:schemeClr val="accent2"/>
+          </a:effectRef>
+          <a:fontRef idx="minor">
+            <a:schemeClr val="dk1"/>
+          </a:fontRef>
+        </p:style>
+        <p:txBody>
+          <a:bodyPr rtlCol="0" anchor="ctr"/>
+          <a:lstStyle/>
+          <a:p>
+            <a:pPr algn="ctr"/>
             <a:r>
               <a:rPr lang="en-US" altLang="ko-KR" sz="1000"/>
-              <a:t>Use Service Account</a:t>
+              <a:t>1</a:t>
             </a:r>
             <a:endParaRPr lang="ko-KR" altLang="en-US" sz="1000"/>
+          </a:p>
+        </p:txBody>
+      </p:sp>
+      <p:sp>
+        <p:nvSpPr>
+          <p:cNvPr id="78" name="사각형: 둥근 모서리 77">
+            <a:extLst>
+              <a:ext uri="{FF2B5EF4-FFF2-40B4-BE49-F238E27FC236}">
+                <a16:creationId xmlns:a16="http://schemas.microsoft.com/office/drawing/2014/main" id="{AC082D7C-3B8C-4F83-8D60-C13A1924CE07}"/>
+              </a:ext>
+            </a:extLst>
+          </p:cNvPr>
+          <p:cNvSpPr/>
+          <p:nvPr/>
+        </p:nvSpPr>
+        <p:spPr>
+          <a:xfrm>
+            <a:off x="755997" y="555526"/>
+            <a:ext cx="1062694" cy="288729"/>
+          </a:xfrm>
+          <a:prstGeom prst="roundRect">
+            <a:avLst>
+              <a:gd name="adj" fmla="val 9204"/>
+            </a:avLst>
+          </a:prstGeom>
+        </p:spPr>
+        <p:style>
+          <a:lnRef idx="2">
+            <a:schemeClr val="dk1"/>
+          </a:lnRef>
+          <a:fillRef idx="1">
+            <a:schemeClr val="lt1"/>
+          </a:fillRef>
+          <a:effectRef idx="0">
+            <a:schemeClr val="dk1"/>
+          </a:effectRef>
+          <a:fontRef idx="minor">
+            <a:schemeClr val="dk1"/>
+          </a:fontRef>
+        </p:style>
+        <p:txBody>
+          <a:bodyPr rtlCol="0" anchor="ctr"/>
+          <a:lstStyle/>
+          <a:p>
+            <a:pPr algn="ctr"/>
+            <a:r>
+              <a:rPr lang="en-US" altLang="ko-KR" sz="1200" b="1"/>
+              <a:t>SA token</a:t>
+            </a:r>
+            <a:endParaRPr lang="ko-KR" altLang="en-US" sz="1200" b="1"/>
           </a:p>
         </p:txBody>
       </p:sp>

--- a/images/theory_analysis/Kubernetes_Authentication_Service_Account/Kubernetes_Authentication_Service_Account.pptx
+++ b/images/theory_analysis/Kubernetes_Authentication_Service_Account/Kubernetes_Authentication_Service_Account.pptx
@@ -214,7 +214,7 @@
           <a:p>
             <a:fld id="{6CD5550B-26C4-49A9-A5BA-636EF7BE6CE9}" type="datetimeFigureOut">
               <a:rPr lang="ko-KR" altLang="en-US" smtClean="0"/>
-              <a:t>2021-04-27</a:t>
+              <a:t>2021-04-28</a:t>
             </a:fld>
             <a:endParaRPr lang="ko-KR" altLang="en-US"/>
           </a:p>
@@ -744,7 +744,7 @@
           <a:p>
             <a:fld id="{FB30EDBD-1C2D-4C1E-B459-B60219FAB484}" type="datetimeFigureOut">
               <a:rPr lang="ko-KR" altLang="en-US" smtClean="0"/>
-              <a:t>2021-04-27</a:t>
+              <a:t>2021-04-28</a:t>
             </a:fld>
             <a:endParaRPr lang="ko-KR" altLang="en-US"/>
           </a:p>
@@ -907,7 +907,7 @@
           <a:p>
             <a:fld id="{FB30EDBD-1C2D-4C1E-B459-B60219FAB484}" type="datetimeFigureOut">
               <a:rPr lang="ko-KR" altLang="en-US" smtClean="0"/>
-              <a:t>2021-04-27</a:t>
+              <a:t>2021-04-28</a:t>
             </a:fld>
             <a:endParaRPr lang="ko-KR" altLang="en-US"/>
           </a:p>
@@ -1080,7 +1080,7 @@
           <a:p>
             <a:fld id="{FB30EDBD-1C2D-4C1E-B459-B60219FAB484}" type="datetimeFigureOut">
               <a:rPr lang="ko-KR" altLang="en-US" smtClean="0"/>
-              <a:t>2021-04-27</a:t>
+              <a:t>2021-04-28</a:t>
             </a:fld>
             <a:endParaRPr lang="ko-KR" altLang="en-US"/>
           </a:p>
@@ -1243,7 +1243,7 @@
           <a:p>
             <a:fld id="{FB30EDBD-1C2D-4C1E-B459-B60219FAB484}" type="datetimeFigureOut">
               <a:rPr lang="ko-KR" altLang="en-US" smtClean="0"/>
-              <a:t>2021-04-27</a:t>
+              <a:t>2021-04-28</a:t>
             </a:fld>
             <a:endParaRPr lang="ko-KR" altLang="en-US"/>
           </a:p>
@@ -1483,7 +1483,7 @@
           <a:p>
             <a:fld id="{FB30EDBD-1C2D-4C1E-B459-B60219FAB484}" type="datetimeFigureOut">
               <a:rPr lang="ko-KR" altLang="en-US" smtClean="0"/>
-              <a:t>2021-04-27</a:t>
+              <a:t>2021-04-28</a:t>
             </a:fld>
             <a:endParaRPr lang="ko-KR" altLang="en-US"/>
           </a:p>
@@ -1763,7 +1763,7 @@
           <a:p>
             <a:fld id="{FB30EDBD-1C2D-4C1E-B459-B60219FAB484}" type="datetimeFigureOut">
               <a:rPr lang="ko-KR" altLang="en-US" smtClean="0"/>
-              <a:t>2021-04-27</a:t>
+              <a:t>2021-04-28</a:t>
             </a:fld>
             <a:endParaRPr lang="ko-KR" altLang="en-US"/>
           </a:p>
@@ -2177,7 +2177,7 @@
           <a:p>
             <a:fld id="{FB30EDBD-1C2D-4C1E-B459-B60219FAB484}" type="datetimeFigureOut">
               <a:rPr lang="ko-KR" altLang="en-US" smtClean="0"/>
-              <a:t>2021-04-27</a:t>
+              <a:t>2021-04-28</a:t>
             </a:fld>
             <a:endParaRPr lang="ko-KR" altLang="en-US"/>
           </a:p>
@@ -2289,7 +2289,7 @@
           <a:p>
             <a:fld id="{FB30EDBD-1C2D-4C1E-B459-B60219FAB484}" type="datetimeFigureOut">
               <a:rPr lang="ko-KR" altLang="en-US" smtClean="0"/>
-              <a:t>2021-04-27</a:t>
+              <a:t>2021-04-28</a:t>
             </a:fld>
             <a:endParaRPr lang="ko-KR" altLang="en-US"/>
           </a:p>
@@ -2379,7 +2379,7 @@
           <a:p>
             <a:fld id="{FB30EDBD-1C2D-4C1E-B459-B60219FAB484}" type="datetimeFigureOut">
               <a:rPr lang="ko-KR" altLang="en-US" smtClean="0"/>
-              <a:t>2021-04-27</a:t>
+              <a:t>2021-04-28</a:t>
             </a:fld>
             <a:endParaRPr lang="ko-KR" altLang="en-US"/>
           </a:p>
@@ -2649,7 +2649,7 @@
           <a:p>
             <a:fld id="{FB30EDBD-1C2D-4C1E-B459-B60219FAB484}" type="datetimeFigureOut">
               <a:rPr lang="ko-KR" altLang="en-US" smtClean="0"/>
-              <a:t>2021-04-27</a:t>
+              <a:t>2021-04-28</a:t>
             </a:fld>
             <a:endParaRPr lang="ko-KR" altLang="en-US"/>
           </a:p>
@@ -2896,7 +2896,7 @@
           <a:p>
             <a:fld id="{FB30EDBD-1C2D-4C1E-B459-B60219FAB484}" type="datetimeFigureOut">
               <a:rPr lang="ko-KR" altLang="en-US" smtClean="0"/>
-              <a:t>2021-04-27</a:t>
+              <a:t>2021-04-28</a:t>
             </a:fld>
             <a:endParaRPr lang="ko-KR" altLang="en-US"/>
           </a:p>
@@ -3102,7 +3102,7 @@
           <a:p>
             <a:fld id="{FB30EDBD-1C2D-4C1E-B459-B60219FAB484}" type="datetimeFigureOut">
               <a:rPr lang="ko-KR" altLang="en-US" smtClean="0"/>
-              <a:t>2021-04-27</a:t>
+              <a:t>2021-04-28</a:t>
             </a:fld>
             <a:endParaRPr lang="ko-KR" altLang="en-US"/>
           </a:p>
@@ -3614,7 +3614,7 @@
           <a:bodyPr rtlCol="0" anchor="b"/>
           <a:lstStyle/>
           <a:p>
-            <a:pPr algn="ctr"/>
+            <a:pPr algn="r"/>
             <a:r>
               <a:rPr lang="en-US" altLang="ko-KR" sz="1400"/>
               <a:t>K8s API Server</a:t>
@@ -3876,7 +3876,7 @@
         </p:nvSpPr>
         <p:spPr>
           <a:xfrm>
-            <a:off x="467546" y="1495227"/>
+            <a:off x="467546" y="1714848"/>
             <a:ext cx="1639177" cy="2441078"/>
           </a:xfrm>
           <a:prstGeom prst="roundRect">
@@ -3926,7 +3926,7 @@
         </p:nvSpPr>
         <p:spPr>
           <a:xfrm>
-            <a:off x="603268" y="3224365"/>
+            <a:off x="603268" y="3443986"/>
             <a:ext cx="1368152" cy="351901"/>
           </a:xfrm>
           <a:prstGeom prst="roundRect">
@@ -3976,7 +3976,7 @@
         </p:nvSpPr>
         <p:spPr>
           <a:xfrm>
-            <a:off x="603268" y="1602433"/>
+            <a:off x="603268" y="1822054"/>
             <a:ext cx="1368152" cy="1253753"/>
           </a:xfrm>
           <a:prstGeom prst="roundRect">
@@ -4026,7 +4026,7 @@
         </p:nvSpPr>
         <p:spPr>
           <a:xfrm>
-            <a:off x="755997" y="1704058"/>
+            <a:off x="755997" y="1923679"/>
             <a:ext cx="1062694" cy="288729"/>
           </a:xfrm>
           <a:prstGeom prst="roundRect">
@@ -4076,7 +4076,7 @@
         </p:nvSpPr>
         <p:spPr>
           <a:xfrm>
-            <a:off x="755997" y="1992742"/>
+            <a:off x="755997" y="2212363"/>
             <a:ext cx="1062694" cy="288729"/>
           </a:xfrm>
           <a:prstGeom prst="roundRect">
@@ -4126,7 +4126,7 @@
         </p:nvSpPr>
         <p:spPr>
           <a:xfrm>
-            <a:off x="755997" y="2281471"/>
+            <a:off x="755997" y="2501092"/>
             <a:ext cx="1062694" cy="288729"/>
           </a:xfrm>
           <a:prstGeom prst="roundRect">
@@ -4178,7 +4178,7 @@
         </p:nvCxnSpPr>
         <p:spPr>
           <a:xfrm>
-            <a:off x="899594" y="2570200"/>
+            <a:off x="899594" y="2789821"/>
             <a:ext cx="0" cy="654165"/>
           </a:xfrm>
           <a:prstGeom prst="straightConnector1">
@@ -4694,7 +4694,7 @@
         <p:spPr>
           <a:xfrm flipV="1">
             <a:off x="1971420" y="1829938"/>
-            <a:ext cx="944398" cy="1570378"/>
+            <a:ext cx="944398" cy="1789999"/>
           </a:xfrm>
           <a:prstGeom prst="straightConnector1">
             <a:avLst/>
@@ -4738,7 +4738,7 @@
         </p:nvCxnSpPr>
         <p:spPr>
           <a:xfrm>
-            <a:off x="1043610" y="2856186"/>
+            <a:off x="1043610" y="3075807"/>
             <a:ext cx="0" cy="368179"/>
           </a:xfrm>
           <a:prstGeom prst="straightConnector1">
@@ -4785,8 +4785,8 @@
         </p:nvCxnSpPr>
         <p:spPr>
           <a:xfrm flipH="1" flipV="1">
-            <a:off x="2106723" y="910597"/>
-            <a:ext cx="809095" cy="919341"/>
+            <a:off x="2106723" y="1030670"/>
+            <a:ext cx="809095" cy="799268"/>
           </a:xfrm>
           <a:prstGeom prst="straightConnector1">
             <a:avLst/>
@@ -4977,59 +4977,6 @@
       </p:sp>
       <p:sp>
         <p:nvSpPr>
-          <p:cNvPr id="109" name="타원 108">
-            <a:extLst>
-              <a:ext uri="{FF2B5EF4-FFF2-40B4-BE49-F238E27FC236}">
-                <a16:creationId xmlns:a16="http://schemas.microsoft.com/office/drawing/2014/main" id="{FDCC3CE2-DF24-4269-AA31-F69975910258}"/>
-              </a:ext>
-            </a:extLst>
-          </p:cNvPr>
-          <p:cNvSpPr/>
-          <p:nvPr/>
-        </p:nvSpPr>
-        <p:spPr>
-          <a:xfrm>
-            <a:off x="3269607" y="2314409"/>
-            <a:ext cx="222672" cy="222672"/>
-          </a:xfrm>
-          <a:prstGeom prst="ellipse">
-            <a:avLst/>
-          </a:prstGeom>
-          <a:ln w="19050">
-            <a:solidFill>
-              <a:srgbClr val="C00000"/>
-            </a:solidFill>
-          </a:ln>
-        </p:spPr>
-        <p:style>
-          <a:lnRef idx="2">
-            <a:schemeClr val="accent2"/>
-          </a:lnRef>
-          <a:fillRef idx="1">
-            <a:schemeClr val="lt1"/>
-          </a:fillRef>
-          <a:effectRef idx="0">
-            <a:schemeClr val="accent2"/>
-          </a:effectRef>
-          <a:fontRef idx="minor">
-            <a:schemeClr val="dk1"/>
-          </a:fontRef>
-        </p:style>
-        <p:txBody>
-          <a:bodyPr rtlCol="0" anchor="ctr"/>
-          <a:lstStyle/>
-          <a:p>
-            <a:pPr algn="ctr"/>
-            <a:r>
-              <a:rPr lang="en-US" altLang="ko-KR" sz="1000"/>
-              <a:t>2</a:t>
-            </a:r>
-            <a:endParaRPr lang="ko-KR" altLang="en-US" sz="1000"/>
-          </a:p>
-        </p:txBody>
-      </p:sp>
-      <p:sp>
-        <p:nvSpPr>
           <p:cNvPr id="110" name="사각형: 둥근 모서리 109">
             <a:extLst>
               <a:ext uri="{FF2B5EF4-FFF2-40B4-BE49-F238E27FC236}">
@@ -5132,10 +5079,10 @@
       </p:cxnSp>
       <p:sp>
         <p:nvSpPr>
-          <p:cNvPr id="112" name="타원 111">
+          <p:cNvPr id="114" name="타원 113">
             <a:extLst>
               <a:ext uri="{FF2B5EF4-FFF2-40B4-BE49-F238E27FC236}">
-                <a16:creationId xmlns:a16="http://schemas.microsoft.com/office/drawing/2014/main" id="{728A1369-5AC6-43E4-98FB-4DDCA13430D4}"/>
+                <a16:creationId xmlns:a16="http://schemas.microsoft.com/office/drawing/2014/main" id="{A1222CC6-36E0-4D63-B3ED-CCD60331CCDD}"/>
               </a:ext>
             </a:extLst>
           </p:cNvPr>
@@ -5144,7 +5091,7 @@
         </p:nvSpPr>
         <p:spPr>
           <a:xfrm>
-            <a:off x="3583023" y="2314409"/>
+            <a:off x="4100626" y="705886"/>
             <a:ext cx="222672" cy="222672"/>
           </a:xfrm>
           <a:prstGeom prst="ellipse">
@@ -5152,7 +5099,7 @@
           </a:prstGeom>
           <a:ln w="19050">
             <a:solidFill>
-              <a:srgbClr val="C00000"/>
+              <a:schemeClr val="tx2"/>
             </a:solidFill>
           </a:ln>
         </p:spPr>
@@ -5177,7 +5124,7 @@
             <a:pPr algn="ctr"/>
             <a:r>
               <a:rPr lang="en-US" altLang="ko-KR" sz="1000"/>
-              <a:t>5</a:t>
+              <a:t>1</a:t>
             </a:r>
             <a:endParaRPr lang="ko-KR" altLang="en-US" sz="1000"/>
           </a:p>
@@ -5185,10 +5132,10 @@
       </p:sp>
       <p:sp>
         <p:nvSpPr>
-          <p:cNvPr id="114" name="타원 113">
+          <p:cNvPr id="115" name="타원 114">
             <a:extLst>
               <a:ext uri="{FF2B5EF4-FFF2-40B4-BE49-F238E27FC236}">
-                <a16:creationId xmlns:a16="http://schemas.microsoft.com/office/drawing/2014/main" id="{A1222CC6-36E0-4D63-B3ED-CCD60331CCDD}"/>
+                <a16:creationId xmlns:a16="http://schemas.microsoft.com/office/drawing/2014/main" id="{E4DCD738-A41F-4B5A-9376-1C8AB39A83FD}"/>
               </a:ext>
             </a:extLst>
           </p:cNvPr>
@@ -5197,7 +5144,7 @@
         </p:nvSpPr>
         <p:spPr>
           <a:xfrm>
-            <a:off x="4100626" y="705886"/>
+            <a:off x="4390528" y="1132971"/>
             <a:ext cx="222672" cy="222672"/>
           </a:xfrm>
           <a:prstGeom prst="ellipse">
@@ -5230,7 +5177,7 @@
             <a:pPr algn="ctr"/>
             <a:r>
               <a:rPr lang="en-US" altLang="ko-KR" sz="1000"/>
-              <a:t>1</a:t>
+              <a:t>2</a:t>
             </a:r>
             <a:endParaRPr lang="ko-KR" altLang="en-US" sz="1000"/>
           </a:p>
@@ -5238,10 +5185,10 @@
       </p:sp>
       <p:sp>
         <p:nvSpPr>
-          <p:cNvPr id="115" name="타원 114">
+          <p:cNvPr id="116" name="타원 115">
             <a:extLst>
               <a:ext uri="{FF2B5EF4-FFF2-40B4-BE49-F238E27FC236}">
-                <a16:creationId xmlns:a16="http://schemas.microsoft.com/office/drawing/2014/main" id="{E4DCD738-A41F-4B5A-9376-1C8AB39A83FD}"/>
+                <a16:creationId xmlns:a16="http://schemas.microsoft.com/office/drawing/2014/main" id="{E4131984-ED9A-4259-A2EE-48E2578F8F5F}"/>
               </a:ext>
             </a:extLst>
           </p:cNvPr>
@@ -5250,7 +5197,7 @@
         </p:nvSpPr>
         <p:spPr>
           <a:xfrm>
-            <a:off x="4390528" y="1132971"/>
+            <a:off x="4840347" y="1942728"/>
             <a:ext cx="222672" cy="222672"/>
           </a:xfrm>
           <a:prstGeom prst="ellipse">
@@ -5283,7 +5230,7 @@
             <a:pPr algn="ctr"/>
             <a:r>
               <a:rPr lang="en-US" altLang="ko-KR" sz="1000"/>
-              <a:t>2</a:t>
+              <a:t>3</a:t>
             </a:r>
             <a:endParaRPr lang="ko-KR" altLang="en-US" sz="1000"/>
           </a:p>
@@ -5291,10 +5238,10 @@
       </p:sp>
       <p:sp>
         <p:nvSpPr>
-          <p:cNvPr id="116" name="타원 115">
+          <p:cNvPr id="119" name="타원 118">
             <a:extLst>
               <a:ext uri="{FF2B5EF4-FFF2-40B4-BE49-F238E27FC236}">
-                <a16:creationId xmlns:a16="http://schemas.microsoft.com/office/drawing/2014/main" id="{E4131984-ED9A-4259-A2EE-48E2578F8F5F}"/>
+                <a16:creationId xmlns:a16="http://schemas.microsoft.com/office/drawing/2014/main" id="{5C50237F-95BA-4D0F-8FEB-F3E57C29376F}"/>
               </a:ext>
             </a:extLst>
           </p:cNvPr>
@@ -5303,7 +5250,7 @@
         </p:nvSpPr>
         <p:spPr>
           <a:xfrm>
-            <a:off x="4840347" y="2021489"/>
+            <a:off x="4392606" y="2853134"/>
             <a:ext cx="222672" cy="222672"/>
           </a:xfrm>
           <a:prstGeom prst="ellipse">
@@ -5336,7 +5283,7 @@
             <a:pPr algn="ctr"/>
             <a:r>
               <a:rPr lang="en-US" altLang="ko-KR" sz="1000"/>
-              <a:t>3</a:t>
+              <a:t>4</a:t>
             </a:r>
             <a:endParaRPr lang="ko-KR" altLang="en-US" sz="1000"/>
           </a:p>
@@ -5344,10 +5291,10 @@
       </p:sp>
       <p:sp>
         <p:nvSpPr>
-          <p:cNvPr id="119" name="타원 118">
+          <p:cNvPr id="120" name="타원 119">
             <a:extLst>
               <a:ext uri="{FF2B5EF4-FFF2-40B4-BE49-F238E27FC236}">
-                <a16:creationId xmlns:a16="http://schemas.microsoft.com/office/drawing/2014/main" id="{5C50237F-95BA-4D0F-8FEB-F3E57C29376F}"/>
+                <a16:creationId xmlns:a16="http://schemas.microsoft.com/office/drawing/2014/main" id="{6A2F1B0A-3316-4056-B490-E0AD27751FEE}"/>
               </a:ext>
             </a:extLst>
           </p:cNvPr>
@@ -5356,7 +5303,7 @@
         </p:nvSpPr>
         <p:spPr>
           <a:xfrm>
-            <a:off x="4392606" y="2853134"/>
+            <a:off x="4680675" y="2743637"/>
             <a:ext cx="222672" cy="222672"/>
           </a:xfrm>
           <a:prstGeom prst="ellipse">
@@ -5397,10 +5344,10 @@
       </p:sp>
       <p:sp>
         <p:nvSpPr>
-          <p:cNvPr id="120" name="타원 119">
+          <p:cNvPr id="121" name="타원 120">
             <a:extLst>
               <a:ext uri="{FF2B5EF4-FFF2-40B4-BE49-F238E27FC236}">
-                <a16:creationId xmlns:a16="http://schemas.microsoft.com/office/drawing/2014/main" id="{6A2F1B0A-3316-4056-B490-E0AD27751FEE}"/>
+                <a16:creationId xmlns:a16="http://schemas.microsoft.com/office/drawing/2014/main" id="{109637A9-9544-440E-A9C1-031DF8613B89}"/>
               </a:ext>
             </a:extLst>
           </p:cNvPr>
@@ -5409,7 +5356,7 @@
         </p:nvSpPr>
         <p:spPr>
           <a:xfrm>
-            <a:off x="4680675" y="2743637"/>
+            <a:off x="2638178" y="2067694"/>
             <a:ext cx="222672" cy="222672"/>
           </a:xfrm>
           <a:prstGeom prst="ellipse">
@@ -5442,7 +5389,7 @@
             <a:pPr algn="ctr"/>
             <a:r>
               <a:rPr lang="en-US" altLang="ko-KR" sz="1000"/>
-              <a:t>4</a:t>
+              <a:t>5</a:t>
             </a:r>
             <a:endParaRPr lang="ko-KR" altLang="en-US" sz="1000"/>
           </a:p>
@@ -5450,10 +5397,10 @@
       </p:sp>
       <p:sp>
         <p:nvSpPr>
-          <p:cNvPr id="121" name="타원 120">
+          <p:cNvPr id="122" name="타원 121">
             <a:extLst>
               <a:ext uri="{FF2B5EF4-FFF2-40B4-BE49-F238E27FC236}">
-                <a16:creationId xmlns:a16="http://schemas.microsoft.com/office/drawing/2014/main" id="{109637A9-9544-440E-A9C1-031DF8613B89}"/>
+                <a16:creationId xmlns:a16="http://schemas.microsoft.com/office/drawing/2014/main" id="{C139A90C-E0F6-40D8-A297-AAB2FC0F921C}"/>
               </a:ext>
             </a:extLst>
           </p:cNvPr>
@@ -5462,7 +5409,7 @@
         </p:nvSpPr>
         <p:spPr>
           <a:xfrm>
-            <a:off x="2638178" y="1989038"/>
+            <a:off x="852466" y="3333668"/>
             <a:ext cx="222672" cy="222672"/>
           </a:xfrm>
           <a:prstGeom prst="ellipse">
@@ -5495,59 +5442,6 @@
             <a:pPr algn="ctr"/>
             <a:r>
               <a:rPr lang="en-US" altLang="ko-KR" sz="1000"/>
-              <a:t>5</a:t>
-            </a:r>
-            <a:endParaRPr lang="ko-KR" altLang="en-US" sz="1000"/>
-          </a:p>
-        </p:txBody>
-      </p:sp>
-      <p:sp>
-        <p:nvSpPr>
-          <p:cNvPr id="122" name="타원 121">
-            <a:extLst>
-              <a:ext uri="{FF2B5EF4-FFF2-40B4-BE49-F238E27FC236}">
-                <a16:creationId xmlns:a16="http://schemas.microsoft.com/office/drawing/2014/main" id="{C139A90C-E0F6-40D8-A297-AAB2FC0F921C}"/>
-              </a:ext>
-            </a:extLst>
-          </p:cNvPr>
-          <p:cNvSpPr/>
-          <p:nvPr/>
-        </p:nvSpPr>
-        <p:spPr>
-          <a:xfrm>
-            <a:off x="852466" y="3114047"/>
-            <a:ext cx="222672" cy="222672"/>
-          </a:xfrm>
-          <a:prstGeom prst="ellipse">
-            <a:avLst/>
-          </a:prstGeom>
-          <a:ln w="19050">
-            <a:solidFill>
-              <a:schemeClr val="tx2"/>
-            </a:solidFill>
-          </a:ln>
-        </p:spPr>
-        <p:style>
-          <a:lnRef idx="2">
-            <a:schemeClr val="accent2"/>
-          </a:lnRef>
-          <a:fillRef idx="1">
-            <a:schemeClr val="lt1"/>
-          </a:fillRef>
-          <a:effectRef idx="0">
-            <a:schemeClr val="accent2"/>
-          </a:effectRef>
-          <a:fontRef idx="minor">
-            <a:schemeClr val="dk1"/>
-          </a:fontRef>
-        </p:style>
-        <p:txBody>
-          <a:bodyPr rtlCol="0" anchor="ctr"/>
-          <a:lstStyle/>
-          <a:p>
-            <a:pPr algn="ctr"/>
-            <a:r>
-              <a:rPr lang="en-US" altLang="ko-KR" sz="1000"/>
               <a:t>6</a:t>
             </a:r>
             <a:endParaRPr lang="ko-KR" altLang="en-US" sz="1000"/>
@@ -5979,7 +5873,7 @@
         </p:nvSpPr>
         <p:spPr>
           <a:xfrm>
-            <a:off x="2051720" y="2963728"/>
+            <a:off x="2045370" y="3170649"/>
             <a:ext cx="813043" cy="400110"/>
           </a:xfrm>
           <a:prstGeom prst="rect">
@@ -6035,7 +5929,7 @@
         </p:nvSpPr>
         <p:spPr>
           <a:xfrm>
-            <a:off x="1020669" y="2840220"/>
+            <a:off x="1020669" y="3059841"/>
             <a:ext cx="1031051" cy="400110"/>
           </a:xfrm>
           <a:prstGeom prst="rect">
@@ -6357,7 +6251,7 @@
         </p:nvSpPr>
         <p:spPr>
           <a:xfrm>
-            <a:off x="2070923" y="1707654"/>
+            <a:off x="2070923" y="1677457"/>
             <a:ext cx="736100" cy="246221"/>
           </a:xfrm>
           <a:prstGeom prst="rect">
@@ -6406,12 +6300,12 @@
         </p:nvSpPr>
         <p:spPr>
           <a:xfrm>
-            <a:off x="467546" y="436454"/>
-            <a:ext cx="1639177" cy="948286"/>
+            <a:off x="467546" y="415107"/>
+            <a:ext cx="1639177" cy="1231126"/>
           </a:xfrm>
           <a:prstGeom prst="roundRect">
             <a:avLst>
-              <a:gd name="adj" fmla="val 9318"/>
+              <a:gd name="adj" fmla="val 8286"/>
             </a:avLst>
           </a:prstGeom>
         </p:spPr>
@@ -6456,8 +6350,8 @@
         </p:nvSpPr>
         <p:spPr>
           <a:xfrm>
-            <a:off x="603268" y="501041"/>
-            <a:ext cx="1368152" cy="601186"/>
+            <a:off x="603268" y="474167"/>
+            <a:ext cx="1368152" cy="903324"/>
           </a:xfrm>
           <a:prstGeom prst="roundRect">
             <a:avLst>
@@ -6511,7 +6405,7 @@
         <p:spPr>
           <a:xfrm flipH="1">
             <a:off x="1971420" y="1829938"/>
-            <a:ext cx="944398" cy="399372"/>
+            <a:ext cx="944398" cy="618993"/>
           </a:xfrm>
           <a:prstGeom prst="straightConnector1">
             <a:avLst/>
@@ -6555,7 +6449,7 @@
         </p:nvSpPr>
         <p:spPr>
           <a:xfrm>
-            <a:off x="1860083" y="2128922"/>
+            <a:off x="1860083" y="2310978"/>
             <a:ext cx="222672" cy="222672"/>
           </a:xfrm>
           <a:prstGeom prst="ellipse">
@@ -6610,7 +6504,7 @@
         </p:nvSpPr>
         <p:spPr>
           <a:xfrm>
-            <a:off x="1999696" y="813511"/>
+            <a:off x="1999696" y="908918"/>
             <a:ext cx="222672" cy="222672"/>
           </a:xfrm>
           <a:prstGeom prst="ellipse">
@@ -6665,7 +6559,7 @@
         </p:nvSpPr>
         <p:spPr>
           <a:xfrm>
-            <a:off x="755997" y="555526"/>
+            <a:off x="755997" y="534179"/>
             <a:ext cx="1062694" cy="288729"/>
           </a:xfrm>
           <a:prstGeom prst="roundRect">
@@ -6698,6 +6592,212 @@
               <a:t>SA token</a:t>
             </a:r>
             <a:endParaRPr lang="ko-KR" altLang="en-US" sz="1200" b="1"/>
+          </a:p>
+        </p:txBody>
+      </p:sp>
+      <p:sp>
+        <p:nvSpPr>
+          <p:cNvPr id="68" name="사각형: 둥근 모서리 67">
+            <a:extLst>
+              <a:ext uri="{FF2B5EF4-FFF2-40B4-BE49-F238E27FC236}">
+                <a16:creationId xmlns:a16="http://schemas.microsoft.com/office/drawing/2014/main" id="{1CF53B38-36B6-4EB3-A199-3D150808FBA5}"/>
+              </a:ext>
+            </a:extLst>
+          </p:cNvPr>
+          <p:cNvSpPr/>
+          <p:nvPr/>
+        </p:nvSpPr>
+        <p:spPr>
+          <a:xfrm>
+            <a:off x="755997" y="822863"/>
+            <a:ext cx="1062694" cy="288729"/>
+          </a:xfrm>
+          <a:prstGeom prst="roundRect">
+            <a:avLst>
+              <a:gd name="adj" fmla="val 9204"/>
+            </a:avLst>
+          </a:prstGeom>
+        </p:spPr>
+        <p:style>
+          <a:lnRef idx="2">
+            <a:schemeClr val="dk1"/>
+          </a:lnRef>
+          <a:fillRef idx="1">
+            <a:schemeClr val="lt1"/>
+          </a:fillRef>
+          <a:effectRef idx="0">
+            <a:schemeClr val="dk1"/>
+          </a:effectRef>
+          <a:fontRef idx="minor">
+            <a:schemeClr val="dk1"/>
+          </a:fontRef>
+        </p:style>
+        <p:txBody>
+          <a:bodyPr rtlCol="0" anchor="ctr"/>
+          <a:lstStyle/>
+          <a:p>
+            <a:pPr algn="ctr"/>
+            <a:r>
+              <a:rPr lang="en-US" altLang="ko-KR" sz="1200"/>
+              <a:t>ca.crt</a:t>
+            </a:r>
+            <a:endParaRPr lang="ko-KR" altLang="en-US" sz="1200"/>
+          </a:p>
+        </p:txBody>
+      </p:sp>
+      <p:sp>
+        <p:nvSpPr>
+          <p:cNvPr id="74" name="사각형: 둥근 모서리 73">
+            <a:extLst>
+              <a:ext uri="{FF2B5EF4-FFF2-40B4-BE49-F238E27FC236}">
+                <a16:creationId xmlns:a16="http://schemas.microsoft.com/office/drawing/2014/main" id="{2A1100F7-BBC2-4727-860C-E5D3BE5E91BB}"/>
+              </a:ext>
+            </a:extLst>
+          </p:cNvPr>
+          <p:cNvSpPr/>
+          <p:nvPr/>
+        </p:nvSpPr>
+        <p:spPr>
+          <a:xfrm>
+            <a:off x="3057474" y="2065427"/>
+            <a:ext cx="782831" cy="288729"/>
+          </a:xfrm>
+          <a:prstGeom prst="roundRect">
+            <a:avLst>
+              <a:gd name="adj" fmla="val 18002"/>
+            </a:avLst>
+          </a:prstGeom>
+        </p:spPr>
+        <p:style>
+          <a:lnRef idx="2">
+            <a:schemeClr val="dk1"/>
+          </a:lnRef>
+          <a:fillRef idx="1">
+            <a:schemeClr val="lt1"/>
+          </a:fillRef>
+          <a:effectRef idx="0">
+            <a:schemeClr val="dk1"/>
+          </a:effectRef>
+          <a:fontRef idx="minor">
+            <a:schemeClr val="dk1"/>
+          </a:fontRef>
+        </p:style>
+        <p:txBody>
+          <a:bodyPr rtlCol="0" anchor="ctr"/>
+          <a:lstStyle/>
+          <a:p>
+            <a:pPr algn="ctr"/>
+            <a:r>
+              <a:rPr lang="en-US" altLang="ko-KR" sz="1200"/>
+              <a:t>ca.crt</a:t>
+            </a:r>
+            <a:endParaRPr lang="ko-KR" altLang="en-US" sz="1200"/>
+          </a:p>
+        </p:txBody>
+      </p:sp>
+      <p:sp>
+        <p:nvSpPr>
+          <p:cNvPr id="109" name="타원 108">
+            <a:extLst>
+              <a:ext uri="{FF2B5EF4-FFF2-40B4-BE49-F238E27FC236}">
+                <a16:creationId xmlns:a16="http://schemas.microsoft.com/office/drawing/2014/main" id="{FDCC3CE2-DF24-4269-AA31-F69975910258}"/>
+              </a:ext>
+            </a:extLst>
+          </p:cNvPr>
+          <p:cNvSpPr/>
+          <p:nvPr/>
+        </p:nvSpPr>
+        <p:spPr>
+          <a:xfrm>
+            <a:off x="3269607" y="2314409"/>
+            <a:ext cx="222672" cy="222672"/>
+          </a:xfrm>
+          <a:prstGeom prst="ellipse">
+            <a:avLst/>
+          </a:prstGeom>
+          <a:ln w="19050">
+            <a:solidFill>
+              <a:srgbClr val="C00000"/>
+            </a:solidFill>
+          </a:ln>
+        </p:spPr>
+        <p:style>
+          <a:lnRef idx="2">
+            <a:schemeClr val="accent2"/>
+          </a:lnRef>
+          <a:fillRef idx="1">
+            <a:schemeClr val="lt1"/>
+          </a:fillRef>
+          <a:effectRef idx="0">
+            <a:schemeClr val="accent2"/>
+          </a:effectRef>
+          <a:fontRef idx="minor">
+            <a:schemeClr val="dk1"/>
+          </a:fontRef>
+        </p:style>
+        <p:txBody>
+          <a:bodyPr rtlCol="0" anchor="ctr"/>
+          <a:lstStyle/>
+          <a:p>
+            <a:pPr algn="ctr"/>
+            <a:r>
+              <a:rPr lang="en-US" altLang="ko-KR" sz="1000"/>
+              <a:t>2</a:t>
+            </a:r>
+            <a:endParaRPr lang="ko-KR" altLang="en-US" sz="1000"/>
+          </a:p>
+        </p:txBody>
+      </p:sp>
+      <p:sp>
+        <p:nvSpPr>
+          <p:cNvPr id="112" name="타원 111">
+            <a:extLst>
+              <a:ext uri="{FF2B5EF4-FFF2-40B4-BE49-F238E27FC236}">
+                <a16:creationId xmlns:a16="http://schemas.microsoft.com/office/drawing/2014/main" id="{728A1369-5AC6-43E4-98FB-4DDCA13430D4}"/>
+              </a:ext>
+            </a:extLst>
+          </p:cNvPr>
+          <p:cNvSpPr/>
+          <p:nvPr/>
+        </p:nvSpPr>
+        <p:spPr>
+          <a:xfrm>
+            <a:off x="3583023" y="2314409"/>
+            <a:ext cx="222672" cy="222672"/>
+          </a:xfrm>
+          <a:prstGeom prst="ellipse">
+            <a:avLst/>
+          </a:prstGeom>
+          <a:ln w="19050">
+            <a:solidFill>
+              <a:srgbClr val="C00000"/>
+            </a:solidFill>
+          </a:ln>
+        </p:spPr>
+        <p:style>
+          <a:lnRef idx="2">
+            <a:schemeClr val="accent2"/>
+          </a:lnRef>
+          <a:fillRef idx="1">
+            <a:schemeClr val="lt1"/>
+          </a:fillRef>
+          <a:effectRef idx="0">
+            <a:schemeClr val="accent2"/>
+          </a:effectRef>
+          <a:fontRef idx="minor">
+            <a:schemeClr val="dk1"/>
+          </a:fontRef>
+        </p:style>
+        <p:txBody>
+          <a:bodyPr rtlCol="0" anchor="ctr"/>
+          <a:lstStyle/>
+          <a:p>
+            <a:pPr algn="ctr"/>
+            <a:r>
+              <a:rPr lang="en-US" altLang="ko-KR" sz="1000"/>
+              <a:t>5</a:t>
+            </a:r>
+            <a:endParaRPr lang="ko-KR" altLang="en-US" sz="1000"/>
           </a:p>
         </p:txBody>
       </p:sp>
